--- a/doc/BRAR.pptx
+++ b/doc/BRAR.pptx
@@ -3573,24 +3573,26 @@
         </p:nvSpPr>
         <p:spPr/>
         <p:txBody>
-          <a:bodyPr/>
+          <a:bodyPr>
+            <a:noAutofit/>
+          </a:bodyPr>
           <a:lstStyle/>
           <a:p>
             <a:r>
-              <a:rPr lang="en-US" altLang="zh-CN"/>
-              <a:t>A OpenGL-based game utilizing methods from controls and collision detection, built from the ground up.   </a:t>
-            </a:r>
-            <a:endParaRPr lang="en-US" altLang="zh-CN"/>
-          </a:p>
-          <a:p>
-            <a:endParaRPr lang="en-US" altLang="zh-CN"/>
-          </a:p>
-          <a:p>
-            <a:r>
-              <a:rPr lang="en-US" altLang="zh-CN"/>
+              <a:rPr lang="en-US" altLang="zh-CN" sz="2500"/>
+              <a:t>A OpenGL-based game utilizing methods from controls, robotics, and collision detection - built from the ground up.   </a:t>
+            </a:r>
+            <a:endParaRPr lang="en-US" altLang="zh-CN" sz="2500"/>
+          </a:p>
+          <a:p>
+            <a:endParaRPr lang="en-US" altLang="zh-CN" sz="2500"/>
+          </a:p>
+          <a:p>
+            <a:r>
+              <a:rPr lang="en-US" altLang="zh-CN" sz="2500"/>
               <a:t>by Doncey Albin</a:t>
             </a:r>
-            <a:endParaRPr lang="en-US" altLang="zh-CN"/>
+            <a:endParaRPr lang="en-US" altLang="zh-CN" sz="2500"/>
           </a:p>
         </p:txBody>
       </p:sp>
